--- a/Talleres/Iinterpolacion Perro/Presentacion/Proyecto Interpolación.pptx
+++ b/Talleres/Iinterpolacion Perro/Presentacion/Proyecto Interpolación.pptx
@@ -5,7 +5,7 @@
     <p:sldMasterId id="2147483660" r:id="rId1"/>
   </p:sldMasterIdLst>
   <p:notesMasterIdLst>
-    <p:notesMasterId r:id="rId19"/>
+    <p:notesMasterId r:id="rId21"/>
   </p:notesMasterIdLst>
   <p:sldIdLst>
     <p:sldId id="256" r:id="rId2"/>
@@ -23,8 +23,10 @@
     <p:sldId id="266" r:id="rId14"/>
     <p:sldId id="268" r:id="rId15"/>
     <p:sldId id="269" r:id="rId16"/>
-    <p:sldId id="272" r:id="rId17"/>
-    <p:sldId id="271" r:id="rId18"/>
+    <p:sldId id="273" r:id="rId17"/>
+    <p:sldId id="274" r:id="rId18"/>
+    <p:sldId id="272" r:id="rId19"/>
+    <p:sldId id="271" r:id="rId20"/>
   </p:sldIdLst>
   <p:sldSz cx="12192000" cy="6858000"/>
   <p:notesSz cx="6858000" cy="9144000"/>
@@ -213,7 +215,7 @@
           <a:p>
             <a:fld id="{59844DEA-AF37-4F6A-9A3B-A68E72633E60}" type="datetimeFigureOut">
               <a:rPr lang="es-419" smtClean="0"/>
-              <a:t>28/3/2019</a:t>
+              <a:t>30/3/2019</a:t>
             </a:fld>
             <a:endParaRPr lang="es-419"/>
           </a:p>
@@ -2096,7 +2098,7 @@
           <a:p>
             <a:fld id="{792FF718-C917-4818-9179-86ACEAA95DA7}" type="datetimeFigureOut">
               <a:rPr lang="es-419" smtClean="0"/>
-              <a:t>28/3/2019</a:t>
+              <a:t>30/3/2019</a:t>
             </a:fld>
             <a:endParaRPr lang="es-419"/>
           </a:p>
@@ -2414,7 +2416,7 @@
           <a:p>
             <a:fld id="{792FF718-C917-4818-9179-86ACEAA95DA7}" type="datetimeFigureOut">
               <a:rPr lang="es-419" smtClean="0"/>
-              <a:t>28/3/2019</a:t>
+              <a:t>30/3/2019</a:t>
             </a:fld>
             <a:endParaRPr lang="es-419"/>
           </a:p>
@@ -2597,7 +2599,7 @@
           <a:p>
             <a:fld id="{792FF718-C917-4818-9179-86ACEAA95DA7}" type="datetimeFigureOut">
               <a:rPr lang="es-419" smtClean="0"/>
-              <a:t>28/3/2019</a:t>
+              <a:t>30/3/2019</a:t>
             </a:fld>
             <a:endParaRPr lang="es-419"/>
           </a:p>
@@ -2790,7 +2792,7 @@
           <a:p>
             <a:fld id="{792FF718-C917-4818-9179-86ACEAA95DA7}" type="datetimeFigureOut">
               <a:rPr lang="es-419" smtClean="0"/>
-              <a:t>28/3/2019</a:t>
+              <a:t>30/3/2019</a:t>
             </a:fld>
             <a:endParaRPr lang="es-419"/>
           </a:p>
@@ -3064,7 +3066,7 @@
           <a:p>
             <a:fld id="{792FF718-C917-4818-9179-86ACEAA95DA7}" type="datetimeFigureOut">
               <a:rPr lang="es-419" smtClean="0"/>
-              <a:t>28/3/2019</a:t>
+              <a:t>30/3/2019</a:t>
             </a:fld>
             <a:endParaRPr lang="es-419"/>
           </a:p>
@@ -4133,7 +4135,7 @@
           <a:p>
             <a:fld id="{792FF718-C917-4818-9179-86ACEAA95DA7}" type="datetimeFigureOut">
               <a:rPr lang="es-419" smtClean="0"/>
-              <a:t>28/3/2019</a:t>
+              <a:t>30/3/2019</a:t>
             </a:fld>
             <a:endParaRPr lang="es-419"/>
           </a:p>
@@ -4448,7 +4450,7 @@
           <a:p>
             <a:fld id="{792FF718-C917-4818-9179-86ACEAA95DA7}" type="datetimeFigureOut">
               <a:rPr lang="es-419" smtClean="0"/>
-              <a:t>28/3/2019</a:t>
+              <a:t>30/3/2019</a:t>
             </a:fld>
             <a:endParaRPr lang="es-419"/>
           </a:p>
@@ -4829,7 +4831,7 @@
           <a:p>
             <a:fld id="{792FF718-C917-4818-9179-86ACEAA95DA7}" type="datetimeFigureOut">
               <a:rPr lang="es-419" smtClean="0"/>
-              <a:t>28/3/2019</a:t>
+              <a:t>30/3/2019</a:t>
             </a:fld>
             <a:endParaRPr lang="es-419"/>
           </a:p>
@@ -4960,7 +4962,7 @@
           <a:p>
             <a:fld id="{792FF718-C917-4818-9179-86ACEAA95DA7}" type="datetimeFigureOut">
               <a:rPr lang="es-419" smtClean="0"/>
-              <a:t>28/3/2019</a:t>
+              <a:t>30/3/2019</a:t>
             </a:fld>
             <a:endParaRPr lang="es-419"/>
           </a:p>
@@ -5067,7 +5069,7 @@
           <a:p>
             <a:fld id="{792FF718-C917-4818-9179-86ACEAA95DA7}" type="datetimeFigureOut">
               <a:rPr lang="es-419" smtClean="0"/>
-              <a:t>28/3/2019</a:t>
+              <a:t>30/3/2019</a:t>
             </a:fld>
             <a:endParaRPr lang="es-419"/>
           </a:p>
@@ -5359,7 +5361,7 @@
           <a:p>
             <a:fld id="{792FF718-C917-4818-9179-86ACEAA95DA7}" type="datetimeFigureOut">
               <a:rPr lang="es-419" smtClean="0"/>
-              <a:t>28/3/2019</a:t>
+              <a:t>30/3/2019</a:t>
             </a:fld>
             <a:endParaRPr lang="es-419"/>
           </a:p>
@@ -5612,7 +5614,7 @@
           <a:p>
             <a:fld id="{792FF718-C917-4818-9179-86ACEAA95DA7}" type="datetimeFigureOut">
               <a:rPr lang="es-419" smtClean="0"/>
-              <a:t>28/3/2019</a:t>
+              <a:t>30/3/2019</a:t>
             </a:fld>
             <a:endParaRPr lang="es-419"/>
           </a:p>
@@ -6485,7 +6487,7 @@
           <a:p>
             <a:r>
               <a:rPr lang="es-419" dirty="0"/>
-              <a:t>Interpolación final – 11 </a:t>
+              <a:t>Interpolación final – 10 </a:t>
             </a:r>
             <a:r>
               <a:rPr lang="es-419" dirty="0" err="1"/>
@@ -6799,7 +6801,7 @@
           <a:p>
             <a:r>
               <a:rPr lang="es-419" dirty="0"/>
-              <a:t>Interpolación final – 11 </a:t>
+              <a:t>Interpolación final – 10 </a:t>
             </a:r>
             <a:r>
               <a:rPr lang="es-419" dirty="0" err="1"/>
@@ -7229,6 +7231,455 @@
           <p:cNvPr id="2" name="Título 1">
             <a:extLst>
               <a:ext uri="{FF2B5EF4-FFF2-40B4-BE49-F238E27FC236}">
+                <a16:creationId xmlns:a16="http://schemas.microsoft.com/office/drawing/2014/main" id="{BE4F4589-3DDE-457A-B0E6-D0E4B5DC7A11}"/>
+              </a:ext>
+            </a:extLst>
+          </p:cNvPr>
+          <p:cNvSpPr>
+            <a:spLocks noGrp="1"/>
+          </p:cNvSpPr>
+          <p:nvPr>
+            <p:ph type="title"/>
+          </p:nvPr>
+        </p:nvSpPr>
+        <p:spPr/>
+        <p:txBody>
+          <a:bodyPr/>
+          <a:lstStyle/>
+          <a:p>
+            <a:r>
+              <a:rPr lang="es-ES" dirty="0"/>
+              <a:t>Índice de </a:t>
+            </a:r>
+            <a:r>
+              <a:rPr lang="es-ES" dirty="0" err="1"/>
+              <a:t>Jacard</a:t>
+            </a:r>
+            <a:endParaRPr lang="es-CO" dirty="0"/>
+          </a:p>
+        </p:txBody>
+      </p:sp>
+      <p:pic>
+        <p:nvPicPr>
+          <p:cNvPr id="4" name="Imagen 3">
+            <a:extLst>
+              <a:ext uri="{FF2B5EF4-FFF2-40B4-BE49-F238E27FC236}">
+                <a16:creationId xmlns:a16="http://schemas.microsoft.com/office/drawing/2014/main" id="{C48318BD-E418-4029-B895-76348714F329}"/>
+              </a:ext>
+            </a:extLst>
+          </p:cNvPr>
+          <p:cNvPicPr>
+            <a:picLocks noChangeAspect="1"/>
+          </p:cNvPicPr>
+          <p:nvPr/>
+        </p:nvPicPr>
+        <p:blipFill>
+          <a:blip r:embed="rId2"/>
+          <a:stretch>
+            <a:fillRect/>
+          </a:stretch>
+        </p:blipFill>
+        <p:spPr>
+          <a:xfrm>
+            <a:off x="1386253" y="1670098"/>
+            <a:ext cx="4461668" cy="1416661"/>
+          </a:xfrm>
+          <a:prstGeom prst="rect">
+            <a:avLst/>
+          </a:prstGeom>
+        </p:spPr>
+      </p:pic>
+      <p:sp>
+        <p:nvSpPr>
+          <p:cNvPr id="5" name="CuadroTexto 4">
+            <a:extLst>
+              <a:ext uri="{FF2B5EF4-FFF2-40B4-BE49-F238E27FC236}">
+                <a16:creationId xmlns:a16="http://schemas.microsoft.com/office/drawing/2014/main" id="{B5652F54-FC99-4E1C-8D59-25E6CFCD8B4C}"/>
+              </a:ext>
+            </a:extLst>
+          </p:cNvPr>
+          <p:cNvSpPr txBox="1"/>
+          <p:nvPr/>
+        </p:nvSpPr>
+        <p:spPr>
+          <a:xfrm>
+            <a:off x="430839" y="3105834"/>
+            <a:ext cx="6372497" cy="646331"/>
+          </a:xfrm>
+          <a:prstGeom prst="rect">
+            <a:avLst/>
+          </a:prstGeom>
+          <a:noFill/>
+        </p:spPr>
+        <p:txBody>
+          <a:bodyPr wrap="square" rtlCol="0">
+            <a:spAutoFit/>
+          </a:bodyPr>
+          <a:lstStyle/>
+          <a:p>
+            <a:pPr algn="ctr"/>
+            <a:r>
+              <a:rPr lang="es-CO" dirty="0"/>
+              <a:t>Cálculo del Índice de Jaccard para los puntos dados originalmente.</a:t>
+            </a:r>
+            <a:endParaRPr lang="es-419" sz="2400" dirty="0"/>
+          </a:p>
+        </p:txBody>
+      </p:sp>
+      <p:pic>
+        <p:nvPicPr>
+          <p:cNvPr id="6" name="Imagen 5">
+            <a:extLst>
+              <a:ext uri="{FF2B5EF4-FFF2-40B4-BE49-F238E27FC236}">
+                <a16:creationId xmlns:a16="http://schemas.microsoft.com/office/drawing/2014/main" id="{7037AA9E-7B1D-44E3-813D-F04B85DC78D0}"/>
+              </a:ext>
+            </a:extLst>
+          </p:cNvPr>
+          <p:cNvPicPr>
+            <a:picLocks noChangeAspect="1"/>
+          </p:cNvPicPr>
+          <p:nvPr/>
+        </p:nvPicPr>
+        <p:blipFill>
+          <a:blip r:embed="rId3"/>
+          <a:stretch>
+            <a:fillRect/>
+          </a:stretch>
+        </p:blipFill>
+        <p:spPr>
+          <a:xfrm>
+            <a:off x="6254262" y="3914661"/>
+            <a:ext cx="4631374" cy="1446228"/>
+          </a:xfrm>
+          <a:prstGeom prst="rect">
+            <a:avLst/>
+          </a:prstGeom>
+        </p:spPr>
+      </p:pic>
+      <p:sp>
+        <p:nvSpPr>
+          <p:cNvPr id="7" name="CuadroTexto 6">
+            <a:extLst>
+              <a:ext uri="{FF2B5EF4-FFF2-40B4-BE49-F238E27FC236}">
+                <a16:creationId xmlns:a16="http://schemas.microsoft.com/office/drawing/2014/main" id="{3165A230-C2E1-467A-AF5B-1F3A03941F90}"/>
+              </a:ext>
+            </a:extLst>
+          </p:cNvPr>
+          <p:cNvSpPr txBox="1"/>
+          <p:nvPr/>
+        </p:nvSpPr>
+        <p:spPr>
+          <a:xfrm>
+            <a:off x="5383700" y="5505092"/>
+            <a:ext cx="6372497" cy="646331"/>
+          </a:xfrm>
+          <a:prstGeom prst="rect">
+            <a:avLst/>
+          </a:prstGeom>
+          <a:noFill/>
+        </p:spPr>
+        <p:txBody>
+          <a:bodyPr wrap="square" rtlCol="0">
+            <a:spAutoFit/>
+          </a:bodyPr>
+          <a:lstStyle/>
+          <a:p>
+            <a:pPr algn="ctr"/>
+            <a:r>
+              <a:rPr lang="es-CO" dirty="0"/>
+              <a:t>Cálculo del Índice de Jaccard para los puntos de </a:t>
+            </a:r>
+            <a:r>
+              <a:rPr lang="es-CO" dirty="0" err="1"/>
+              <a:t>Illustrator</a:t>
+            </a:r>
+            <a:r>
+              <a:rPr lang="es-CO" dirty="0"/>
+              <a:t>.</a:t>
+            </a:r>
+            <a:endParaRPr lang="es-419" sz="2400" dirty="0"/>
+          </a:p>
+        </p:txBody>
+      </p:sp>
+    </p:spTree>
+    <p:extLst>
+      <p:ext uri="{BB962C8B-B14F-4D97-AF65-F5344CB8AC3E}">
+        <p14:creationId xmlns:p14="http://schemas.microsoft.com/office/powerpoint/2010/main" val="4258230602"/>
+      </p:ext>
+    </p:extLst>
+  </p:cSld>
+  <p:clrMapOvr>
+    <a:masterClrMapping/>
+  </p:clrMapOvr>
+  <mc:AlternateContent xmlns:mc="http://schemas.openxmlformats.org/markup-compatibility/2006" xmlns:p14="http://schemas.microsoft.com/office/powerpoint/2010/main">
+    <mc:Choice Requires="p14">
+      <p:transition spd="med" p14:dur="700">
+        <p:fade/>
+      </p:transition>
+    </mc:Choice>
+    <mc:Fallback xmlns="">
+      <p:transition spd="med">
+        <p:fade/>
+      </p:transition>
+    </mc:Fallback>
+  </mc:AlternateContent>
+</p:sld>
+</file>
+
+<file path=ppt/slides/slide17.xml><?xml version="1.0" encoding="utf-8"?>
+<p:sld xmlns:a="http://schemas.openxmlformats.org/drawingml/2006/main" xmlns:r="http://schemas.openxmlformats.org/officeDocument/2006/relationships" xmlns:p="http://schemas.openxmlformats.org/presentationml/2006/main">
+  <p:cSld>
+    <p:spTree>
+      <p:nvGrpSpPr>
+        <p:cNvPr id="1" name=""/>
+        <p:cNvGrpSpPr/>
+        <p:nvPr/>
+      </p:nvGrpSpPr>
+      <p:grpSpPr>
+        <a:xfrm>
+          <a:off x="0" y="0"/>
+          <a:ext cx="0" cy="0"/>
+          <a:chOff x="0" y="0"/>
+          <a:chExt cx="0" cy="0"/>
+        </a:xfrm>
+      </p:grpSpPr>
+      <p:sp>
+        <p:nvSpPr>
+          <p:cNvPr id="2" name="Título 1">
+            <a:extLst>
+              <a:ext uri="{FF2B5EF4-FFF2-40B4-BE49-F238E27FC236}">
+                <a16:creationId xmlns:a16="http://schemas.microsoft.com/office/drawing/2014/main" id="{18798828-7C1C-4550-B1C4-B83D221660D4}"/>
+              </a:ext>
+            </a:extLst>
+          </p:cNvPr>
+          <p:cNvSpPr>
+            <a:spLocks noGrp="1"/>
+          </p:cNvSpPr>
+          <p:nvPr>
+            <p:ph type="title"/>
+          </p:nvPr>
+        </p:nvSpPr>
+        <p:spPr/>
+        <p:txBody>
+          <a:bodyPr/>
+          <a:lstStyle/>
+          <a:p>
+            <a:r>
+              <a:rPr lang="es-ES" dirty="0"/>
+              <a:t>Prueba con el método de Lagrange </a:t>
+            </a:r>
+            <a:r>
+              <a:rPr lang="es-ES" dirty="0" err="1"/>
+              <a:t>Baricentrico</a:t>
+            </a:r>
+            <a:endParaRPr lang="es-CO" dirty="0"/>
+          </a:p>
+        </p:txBody>
+      </p:sp>
+      <p:pic>
+        <p:nvPicPr>
+          <p:cNvPr id="4" name="Imagen 3">
+            <a:extLst>
+              <a:ext uri="{FF2B5EF4-FFF2-40B4-BE49-F238E27FC236}">
+                <a16:creationId xmlns:a16="http://schemas.microsoft.com/office/drawing/2014/main" id="{C07942CD-19D9-493A-8B70-09DA66B4EB1B}"/>
+              </a:ext>
+            </a:extLst>
+          </p:cNvPr>
+          <p:cNvPicPr>
+            <a:picLocks noChangeAspect="1"/>
+          </p:cNvPicPr>
+          <p:nvPr/>
+        </p:nvPicPr>
+        <p:blipFill>
+          <a:blip r:embed="rId2">
+            <a:extLst>
+              <a:ext uri="{28A0092B-C50C-407E-A947-70E740481C1C}">
+                <a14:useLocalDpi xmlns:a14="http://schemas.microsoft.com/office/drawing/2010/main" val="0"/>
+              </a:ext>
+            </a:extLst>
+          </a:blip>
+          <a:stretch>
+            <a:fillRect/>
+          </a:stretch>
+        </p:blipFill>
+        <p:spPr>
+          <a:xfrm>
+            <a:off x="2023188" y="1546472"/>
+            <a:ext cx="8144106" cy="4801574"/>
+          </a:xfrm>
+          <a:prstGeom prst="rect">
+            <a:avLst/>
+          </a:prstGeom>
+        </p:spPr>
+      </p:pic>
+      <p:sp>
+        <p:nvSpPr>
+          <p:cNvPr id="5" name="CuadroTexto 4">
+            <a:hlinkClick r:id="rId3" action="ppaction://hlinkpres?slideindex=1&amp;slidetitle="/>
+            <a:extLst>
+              <a:ext uri="{FF2B5EF4-FFF2-40B4-BE49-F238E27FC236}">
+                <a16:creationId xmlns:a16="http://schemas.microsoft.com/office/drawing/2014/main" id="{A5D0A6E8-2D3B-4798-ACC9-C93E66C769B7}"/>
+              </a:ext>
+            </a:extLst>
+          </p:cNvPr>
+          <p:cNvSpPr txBox="1"/>
+          <p:nvPr/>
+        </p:nvSpPr>
+        <p:spPr>
+          <a:xfrm>
+            <a:off x="7561385" y="6348046"/>
+            <a:ext cx="4448975" cy="369332"/>
+          </a:xfrm>
+          <a:prstGeom prst="rect">
+            <a:avLst/>
+          </a:prstGeom>
+          <a:noFill/>
+        </p:spPr>
+        <p:txBody>
+          <a:bodyPr wrap="square" rtlCol="0">
+            <a:spAutoFit/>
+          </a:bodyPr>
+          <a:lstStyle/>
+          <a:p>
+            <a:r>
+              <a:rPr lang="es-419" u="sng" dirty="0">
+                <a:solidFill>
+                  <a:schemeClr val="accent1">
+                    <a:lumMod val="50000"/>
+                  </a:schemeClr>
+                </a:solidFill>
+              </a:rPr>
+              <a:t>Comparación de errores con </a:t>
+            </a:r>
+            <a:r>
+              <a:rPr lang="es-419" u="sng" dirty="0" err="1">
+                <a:solidFill>
+                  <a:schemeClr val="accent1">
+                    <a:lumMod val="50000"/>
+                  </a:schemeClr>
+                </a:solidFill>
+              </a:rPr>
+              <a:t>Spline</a:t>
+            </a:r>
+            <a:endParaRPr lang="es-419" u="sng" dirty="0">
+              <a:solidFill>
+                <a:schemeClr val="accent1">
+                  <a:lumMod val="50000"/>
+                </a:schemeClr>
+              </a:solidFill>
+            </a:endParaRPr>
+          </a:p>
+        </p:txBody>
+      </p:sp>
+      <p:sp>
+        <p:nvSpPr>
+          <p:cNvPr id="6" name="CuadroTexto 5">
+            <a:extLst>
+              <a:ext uri="{FF2B5EF4-FFF2-40B4-BE49-F238E27FC236}">
+                <a16:creationId xmlns:a16="http://schemas.microsoft.com/office/drawing/2014/main" id="{6E4FD884-5053-4EFA-B033-7F8992572E41}"/>
+              </a:ext>
+            </a:extLst>
+          </p:cNvPr>
+          <p:cNvSpPr txBox="1"/>
+          <p:nvPr/>
+        </p:nvSpPr>
+        <p:spPr>
+          <a:xfrm>
+            <a:off x="1104900" y="1546472"/>
+            <a:ext cx="4090958" cy="954107"/>
+          </a:xfrm>
+          <a:prstGeom prst="rect">
+            <a:avLst/>
+          </a:prstGeom>
+          <a:noFill/>
+        </p:spPr>
+        <p:txBody>
+          <a:bodyPr wrap="square" rtlCol="0">
+            <a:spAutoFit/>
+          </a:bodyPr>
+          <a:lstStyle/>
+          <a:p>
+            <a:r>
+              <a:rPr lang="es-419" sz="2800" b="1" dirty="0">
+                <a:solidFill>
+                  <a:srgbClr val="0070C0"/>
+                </a:solidFill>
+              </a:rPr>
+              <a:t>Puntos </a:t>
+            </a:r>
+            <a:r>
+              <a:rPr lang="es-419" sz="2800" b="1" dirty="0" err="1">
+                <a:solidFill>
+                  <a:srgbClr val="0070C0"/>
+                </a:solidFill>
+              </a:rPr>
+              <a:t>Ilustrator</a:t>
+            </a:r>
+            <a:endParaRPr lang="es-419" sz="2800" b="1" dirty="0">
+              <a:solidFill>
+                <a:srgbClr val="0070C0"/>
+              </a:solidFill>
+            </a:endParaRPr>
+          </a:p>
+          <a:p>
+            <a:r>
+              <a:rPr lang="es-419" sz="2800" b="1" dirty="0">
+                <a:solidFill>
+                  <a:schemeClr val="tx2"/>
+                </a:solidFill>
+              </a:rPr>
+              <a:t>Puntos Finales</a:t>
+            </a:r>
+          </a:p>
+        </p:txBody>
+      </p:sp>
+    </p:spTree>
+    <p:extLst>
+      <p:ext uri="{BB962C8B-B14F-4D97-AF65-F5344CB8AC3E}">
+        <p14:creationId xmlns:p14="http://schemas.microsoft.com/office/powerpoint/2010/main" val="1317051670"/>
+      </p:ext>
+    </p:extLst>
+  </p:cSld>
+  <p:clrMapOvr>
+    <a:masterClrMapping/>
+  </p:clrMapOvr>
+  <mc:AlternateContent xmlns:mc="http://schemas.openxmlformats.org/markup-compatibility/2006" xmlns:p14="http://schemas.microsoft.com/office/powerpoint/2010/main">
+    <mc:Choice Requires="p14">
+      <p:transition spd="med" p14:dur="700">
+        <p:fade/>
+      </p:transition>
+    </mc:Choice>
+    <mc:Fallback xmlns="">
+      <p:transition spd="med">
+        <p:fade/>
+      </p:transition>
+    </mc:Fallback>
+  </mc:AlternateContent>
+</p:sld>
+</file>
+
+<file path=ppt/slides/slide18.xml><?xml version="1.0" encoding="utf-8"?>
+<p:sld xmlns:a="http://schemas.openxmlformats.org/drawingml/2006/main" xmlns:r="http://schemas.openxmlformats.org/officeDocument/2006/relationships" xmlns:p="http://schemas.openxmlformats.org/presentationml/2006/main">
+  <p:cSld>
+    <p:spTree>
+      <p:nvGrpSpPr>
+        <p:cNvPr id="1" name=""/>
+        <p:cNvGrpSpPr/>
+        <p:nvPr/>
+      </p:nvGrpSpPr>
+      <p:grpSpPr>
+        <a:xfrm>
+          <a:off x="0" y="0"/>
+          <a:ext cx="0" cy="0"/>
+          <a:chOff x="0" y="0"/>
+          <a:chExt cx="0" cy="0"/>
+        </a:xfrm>
+      </p:grpSpPr>
+      <p:sp>
+        <p:nvSpPr>
+          <p:cNvPr id="2" name="Título 1">
+            <a:extLst>
+              <a:ext uri="{FF2B5EF4-FFF2-40B4-BE49-F238E27FC236}">
                 <a16:creationId xmlns:a16="http://schemas.microsoft.com/office/drawing/2014/main" id="{4792293D-14C7-4D6E-AC80-11D0A7785EF5}"/>
               </a:ext>
             </a:extLst>
@@ -7367,7 +7818,7 @@
 </p:sld>
 </file>
 
-<file path=ppt/slides/slide17.xml><?xml version="1.0" encoding="utf-8"?>
+<file path=ppt/slides/slide19.xml><?xml version="1.0" encoding="utf-8"?>
 <p:sld xmlns:a="http://schemas.openxmlformats.org/drawingml/2006/main" xmlns:r="http://schemas.openxmlformats.org/officeDocument/2006/relationships" xmlns:p="http://schemas.openxmlformats.org/presentationml/2006/main">
   <p:cSld>
     <p:spTree>
